--- a/Manuals/Presentations/PublicationBias/DPP_LM_PublicationBias.pptx
+++ b/Manuals/Presentations/PublicationBias/DPP_LM_PublicationBias.pptx
@@ -8722,46 +8722,46 @@
           <a:lstStyle/>
           <a:p>
             <a:r>
-              <a:rPr lang="en-US" sz="1800" b="1"/>
+              <a:rPr lang="en-US" sz="1800" b="1" dirty="0"/>
               <a:t>Trim and Fill</a:t>
             </a:r>
           </a:p>
           <a:p>
             <a:r>
-              <a:rPr lang="en-US" sz="1800"/>
+              <a:rPr lang="en-US" sz="1800" dirty="0"/>
               <a:t>Tries to account for and imputes missing studies that make a funnel plot (more) symmetrical (white dots)</a:t>
             </a:r>
           </a:p>
           <a:p>
             <a:r>
-              <a:rPr lang="en-US" sz="1800"/>
+              <a:rPr lang="en-US" sz="1800" dirty="0"/>
               <a:t>Lets you estimate the adjusted effect size (in this case, slightly smaller than the original analysis, </a:t>
             </a:r>
             <a:r>
-              <a:rPr lang="en-US" sz="1800" i="1"/>
+              <a:rPr lang="en-US" sz="1800" i="1" dirty="0"/>
               <a:t>r</a:t>
             </a:r>
             <a:r>
-              <a:rPr lang="en-US" sz="1800"/>
+              <a:rPr lang="en-US" sz="1800" dirty="0"/>
               <a:t> = -.19 vs. -.18)</a:t>
             </a:r>
           </a:p>
           <a:p>
             <a:r>
-              <a:rPr lang="en-US" sz="1800"/>
+              <a:rPr lang="en-US" sz="1800" dirty="0"/>
               <a:t> </a:t>
             </a:r>
-            <a:endParaRPr lang="en-US"/>
-          </a:p>
-          <a:p>
-            <a:endParaRPr lang="en-US" sz="1800" b="1"/>
-          </a:p>
-          <a:p>
-            <a:endParaRPr lang="en-US" sz="1800"/>
+            <a:endParaRPr lang="en-US" dirty="0"/>
+          </a:p>
+          <a:p>
+            <a:endParaRPr lang="en-US" sz="1800" b="1" dirty="0"/>
+          </a:p>
+          <a:p>
+            <a:endParaRPr lang="en-US" sz="1800" dirty="0"/>
           </a:p>
           <a:p>
             <a:pPr indent="-388005"/>
-            <a:endParaRPr lang="en-US" sz="1800"/>
+            <a:endParaRPr lang="en-US" sz="1800" dirty="0"/>
           </a:p>
         </p:txBody>
       </p:sp>
@@ -8830,7 +8830,7 @@
               <a:t>Duvall &amp; Tweedle (2000). </a:t>
             </a:r>
             <a:r>
-              <a:rPr lang="de-DE" sz="1600" i="1" dirty="0" err="1">
+              <a:rPr lang="de-DE" sz="1600" i="1" dirty="0">
                 <a:solidFill>
                   <a:schemeClr val="bg1">
                     <a:lumMod val="50000"/>
@@ -8841,21 +8841,7 @@
                 <a:cs typeface="Open Sans" panose="020B0606030504020204" pitchFamily="34" charset="0"/>
                 <a:hlinkClick r:id="rId3"/>
               </a:rPr>
-              <a:t>Biometrics</a:t>
-            </a:r>
-            <a:r>
-              <a:rPr lang="de-DE" sz="1600" i="1" dirty="0">
-                <a:solidFill>
-                  <a:schemeClr val="bg1">
-                    <a:lumMod val="50000"/>
-                  </a:schemeClr>
-                </a:solidFill>
-                <a:latin typeface="Open Sans" panose="020B0606030504020204" pitchFamily="34" charset="0"/>
-                <a:ea typeface="Open Sans" panose="020B0606030504020204" pitchFamily="34" charset="0"/>
-                <a:cs typeface="Open Sans" panose="020B0606030504020204" pitchFamily="34" charset="0"/>
-                <a:hlinkClick r:id="rId3"/>
-              </a:rPr>
-              <a:t>, 56</a:t>
+              <a:t>Biometrics, 56</a:t>
             </a:r>
             <a:r>
               <a:rPr lang="de-DE" sz="1600" dirty="0">
@@ -9100,40 +9086,40 @@
           <a:lstStyle/>
           <a:p>
             <a:r>
-              <a:rPr lang="en-US" sz="1800" b="1"/>
+              <a:rPr lang="en-US" sz="1800" b="1" dirty="0"/>
               <a:t>Peter‘s test</a:t>
             </a:r>
           </a:p>
           <a:p>
             <a:r>
-              <a:rPr lang="en-US" sz="1800"/>
+              <a:rPr lang="en-US" sz="1800" dirty="0"/>
               <a:t>Similar to Egger‘s test, but predicts the outcome based on the inverse sample size and uses sample size as weight; In this example gives a lower estimate of the effect size, i.e., </a:t>
             </a:r>
             <a:r>
-              <a:rPr lang="en-US" sz="1800" i="1"/>
+              <a:rPr lang="en-US" sz="1800" i="1" dirty="0"/>
               <a:t>r</a:t>
             </a:r>
             <a:r>
-              <a:rPr lang="en-US" sz="1800"/>
+              <a:rPr lang="en-US" sz="1800" dirty="0"/>
               <a:t> = -.11</a:t>
             </a:r>
           </a:p>
           <a:p>
             <a:r>
-              <a:rPr lang="en-US" sz="1800"/>
+              <a:rPr lang="en-US" sz="1800" dirty="0"/>
               <a:t> </a:t>
             </a:r>
-            <a:endParaRPr lang="en-US"/>
-          </a:p>
-          <a:p>
-            <a:endParaRPr lang="en-US" sz="1800" b="1"/>
-          </a:p>
-          <a:p>
-            <a:endParaRPr lang="en-US" sz="1800"/>
+            <a:endParaRPr lang="en-US" dirty="0"/>
+          </a:p>
+          <a:p>
+            <a:endParaRPr lang="en-US" sz="1800" b="1" dirty="0"/>
+          </a:p>
+          <a:p>
+            <a:endParaRPr lang="en-US" sz="1800" dirty="0"/>
           </a:p>
           <a:p>
             <a:pPr indent="-388005"/>
-            <a:endParaRPr lang="en-US" sz="1800"/>
+            <a:endParaRPr lang="en-US" sz="1800" dirty="0"/>
           </a:p>
         </p:txBody>
       </p:sp>
@@ -10287,7 +10273,7 @@
               <a:t>Stanley (2017). </a:t>
             </a:r>
             <a:r>
-              <a:rPr lang="de-DE" sz="1600" i="1" dirty="0" err="1">
+              <a:rPr lang="de-DE" sz="1600" i="1" dirty="0">
                 <a:solidFill>
                   <a:schemeClr val="bg1">
                     <a:lumMod val="50000"/>
@@ -10298,49 +10284,7 @@
                 <a:cs typeface="Open Sans" panose="020B0606030504020204" pitchFamily="34" charset="0"/>
                 <a:hlinkClick r:id="rId3"/>
               </a:rPr>
-              <a:t>Soc</a:t>
-            </a:r>
-            <a:r>
-              <a:rPr lang="de-DE" sz="1600" i="1" dirty="0">
-                <a:solidFill>
-                  <a:schemeClr val="bg1">
-                    <a:lumMod val="50000"/>
-                  </a:schemeClr>
-                </a:solidFill>
-                <a:latin typeface="Open Sans" panose="020B0606030504020204" pitchFamily="34" charset="0"/>
-                <a:ea typeface="Open Sans" panose="020B0606030504020204" pitchFamily="34" charset="0"/>
-                <a:cs typeface="Open Sans" panose="020B0606030504020204" pitchFamily="34" charset="0"/>
-                <a:hlinkClick r:id="rId3"/>
-              </a:rPr>
-              <a:t> </a:t>
-            </a:r>
-            <a:r>
-              <a:rPr lang="de-DE" sz="1600" i="1" dirty="0" err="1">
-                <a:solidFill>
-                  <a:schemeClr val="bg1">
-                    <a:lumMod val="50000"/>
-                  </a:schemeClr>
-                </a:solidFill>
-                <a:latin typeface="Open Sans" panose="020B0606030504020204" pitchFamily="34" charset="0"/>
-                <a:ea typeface="Open Sans" panose="020B0606030504020204" pitchFamily="34" charset="0"/>
-                <a:cs typeface="Open Sans" panose="020B0606030504020204" pitchFamily="34" charset="0"/>
-                <a:hlinkClick r:id="rId3"/>
-              </a:rPr>
-              <a:t>Psychol</a:t>
-            </a:r>
-            <a:r>
-              <a:rPr lang="de-DE" sz="1600" i="1" dirty="0">
-                <a:solidFill>
-                  <a:schemeClr val="bg1">
-                    <a:lumMod val="50000"/>
-                  </a:schemeClr>
-                </a:solidFill>
-                <a:latin typeface="Open Sans" panose="020B0606030504020204" pitchFamily="34" charset="0"/>
-                <a:ea typeface="Open Sans" panose="020B0606030504020204" pitchFamily="34" charset="0"/>
-                <a:cs typeface="Open Sans" panose="020B0606030504020204" pitchFamily="34" charset="0"/>
-                <a:hlinkClick r:id="rId3"/>
-              </a:rPr>
-              <a:t> Pers </a:t>
+              <a:t>Soc Psychol Pers </a:t>
             </a:r>
             <a:r>
               <a:rPr lang="de-DE" sz="1600" i="1" dirty="0" err="1">
